--- a/2009180020배태민스크립트언어.pptx
+++ b/2009180020배태민스크립트언어.pptx
@@ -5,17 +5,18 @@
     <p:sldMasterId id="2147483648" r:id="rId1"/>
   </p:sldMasterIdLst>
   <p:notesMasterIdLst>
-    <p:notesMasterId r:id="rId10"/>
+    <p:notesMasterId r:id="rId11"/>
   </p:notesMasterIdLst>
   <p:sldIdLst>
     <p:sldId id="267" r:id="rId2"/>
     <p:sldId id="258" r:id="rId3"/>
     <p:sldId id="269" r:id="rId4"/>
     <p:sldId id="270" r:id="rId5"/>
-    <p:sldId id="268" r:id="rId6"/>
-    <p:sldId id="271" r:id="rId7"/>
-    <p:sldId id="257" r:id="rId8"/>
-    <p:sldId id="264" r:id="rId9"/>
+    <p:sldId id="273" r:id="rId6"/>
+    <p:sldId id="268" r:id="rId7"/>
+    <p:sldId id="271" r:id="rId8"/>
+    <p:sldId id="257" r:id="rId9"/>
+    <p:sldId id="264" r:id="rId10"/>
   </p:sldIdLst>
   <p:sldSz cx="9144000" cy="6858000" type="screen4x3"/>
   <p:notesSz cx="6858000" cy="9144000"/>
@@ -310,7 +311,6 @@
               <a:rPr lang="ko-KR" altLang="en-US"/>
               <a:t>다섯째 수준</a:t>
             </a:r>
-            <a:endParaRPr lang="ko-KR" altLang="en-US"/>
           </a:p>
         </p:txBody>
       </p:sp>
@@ -4716,6 +4716,321 @@
         </p:nvSpPr>
         <p:spPr>
           <a:xfrm>
+            <a:off x="501173" y="836712"/>
+            <a:ext cx="8072494" cy="5286412"/>
+          </a:xfrm>
+          <a:prstGeom prst="round2DiagRect">
+            <a:avLst/>
+          </a:prstGeom>
+          <a:solidFill>
+            <a:schemeClr val="bg1">
+              <a:lumMod val="50000"/>
+              <a:lumOff val="50000"/>
+            </a:schemeClr>
+          </a:solidFill>
+          <a:ln>
+            <a:noFill/>
+          </a:ln>
+        </p:spPr>
+        <p:style>
+          <a:lnRef idx="2">
+            <a:schemeClr val="accent1">
+              <a:shade val="50000"/>
+            </a:schemeClr>
+          </a:lnRef>
+          <a:fillRef idx="1">
+            <a:schemeClr val="accent1"/>
+          </a:fillRef>
+          <a:effectRef idx="0">
+            <a:schemeClr val="accent1"/>
+          </a:effectRef>
+          <a:fontRef idx="minor">
+            <a:schemeClr val="lt1"/>
+          </a:fontRef>
+        </p:style>
+        <p:txBody>
+          <a:bodyPr rtlCol="0" anchor="ctr"/>
+          <a:lstStyle/>
+          <a:p>
+            <a:pPr algn="ctr"/>
+            <a:endParaRPr lang="ko-KR" altLang="en-US"/>
+          </a:p>
+        </p:txBody>
+      </p:sp>
+      <p:pic>
+        <p:nvPicPr>
+          <p:cNvPr id="9" name="그림 8" descr="1381202514_apple.png"/>
+          <p:cNvPicPr>
+            <a:picLocks noChangeAspect="1"/>
+          </p:cNvPicPr>
+          <p:nvPr/>
+        </p:nvPicPr>
+        <p:blipFill>
+          <a:blip r:embed="rId2" cstate="print"/>
+          <a:stretch>
+            <a:fillRect/>
+          </a:stretch>
+        </p:blipFill>
+        <p:spPr>
+          <a:xfrm>
+            <a:off x="1190474" y="1352910"/>
+            <a:ext cx="357190" cy="357190"/>
+          </a:xfrm>
+          <a:prstGeom prst="rect">
+            <a:avLst/>
+          </a:prstGeom>
+        </p:spPr>
+      </p:pic>
+      <p:sp>
+        <p:nvSpPr>
+          <p:cNvPr id="11" name="TextBox 10"/>
+          <p:cNvSpPr txBox="1"/>
+          <p:nvPr/>
+        </p:nvSpPr>
+        <p:spPr>
+          <a:xfrm>
+            <a:off x="1331640" y="1340768"/>
+            <a:ext cx="2376264" cy="369332"/>
+          </a:xfrm>
+          <a:prstGeom prst="rect">
+            <a:avLst/>
+          </a:prstGeom>
+          <a:noFill/>
+        </p:spPr>
+        <p:txBody>
+          <a:bodyPr wrap="square" rtlCol="0">
+            <a:spAutoFit/>
+          </a:bodyPr>
+          <a:lstStyle/>
+          <a:p>
+            <a:pPr algn="ctr"/>
+            <a:r>
+              <a:rPr lang="ko-KR" altLang="en-US" b="1" dirty="0">
+                <a:ln>
+                  <a:solidFill>
+                    <a:schemeClr val="bg1">
+                      <a:alpha val="0"/>
+                    </a:schemeClr>
+                  </a:solidFill>
+                </a:ln>
+                <a:solidFill>
+                  <a:schemeClr val="bg1"/>
+                </a:solidFill>
+                <a:latin typeface="+mn-ea"/>
+              </a:rPr>
+              <a:t>오픈</a:t>
+            </a:r>
+            <a:r>
+              <a:rPr lang="en-US" altLang="ko-KR" b="1" dirty="0">
+                <a:ln>
+                  <a:solidFill>
+                    <a:schemeClr val="bg1">
+                      <a:alpha val="0"/>
+                    </a:schemeClr>
+                  </a:solidFill>
+                </a:ln>
+                <a:solidFill>
+                  <a:schemeClr val="bg1"/>
+                </a:solidFill>
+                <a:latin typeface="+mn-ea"/>
+              </a:rPr>
+              <a:t> API</a:t>
+            </a:r>
+            <a:endParaRPr lang="ko-KR" altLang="en-US" b="1" dirty="0">
+              <a:ln>
+                <a:solidFill>
+                  <a:schemeClr val="bg1">
+                    <a:alpha val="0"/>
+                  </a:schemeClr>
+                </a:solidFill>
+              </a:ln>
+              <a:solidFill>
+                <a:schemeClr val="bg1"/>
+              </a:solidFill>
+              <a:latin typeface="+mn-ea"/>
+            </a:endParaRPr>
+          </a:p>
+        </p:txBody>
+      </p:sp>
+      <p:pic>
+        <p:nvPicPr>
+          <p:cNvPr id="17" name="그림 16" descr="az0021_anwansoon.png"/>
+          <p:cNvPicPr>
+            <a:picLocks noChangeAspect="1"/>
+          </p:cNvPicPr>
+          <p:nvPr/>
+        </p:nvPicPr>
+        <p:blipFill>
+          <a:blip r:embed="rId3" cstate="print"/>
+          <a:stretch>
+            <a:fillRect/>
+          </a:stretch>
+        </p:blipFill>
+        <p:spPr>
+          <a:xfrm>
+            <a:off x="6948264" y="4419600"/>
+            <a:ext cx="2438400" cy="2438400"/>
+          </a:xfrm>
+          <a:prstGeom prst="rect">
+            <a:avLst/>
+          </a:prstGeom>
+          <a:noFill/>
+          <a:ln>
+            <a:noFill/>
+          </a:ln>
+        </p:spPr>
+      </p:pic>
+      <p:sp>
+        <p:nvSpPr>
+          <p:cNvPr id="10" name="모서리가 둥근 직사각형 9"/>
+          <p:cNvSpPr/>
+          <p:nvPr/>
+        </p:nvSpPr>
+        <p:spPr>
+          <a:xfrm>
+            <a:off x="1190474" y="1962056"/>
+            <a:ext cx="6405862" cy="4059232"/>
+          </a:xfrm>
+          <a:prstGeom prst="roundRect">
+            <a:avLst/>
+          </a:prstGeom>
+          <a:solidFill>
+            <a:schemeClr val="tx1">
+              <a:lumMod val="75000"/>
+            </a:schemeClr>
+          </a:solidFill>
+          <a:ln w="57150">
+            <a:solidFill>
+              <a:schemeClr val="tx1"/>
+            </a:solidFill>
+          </a:ln>
+          <a:effectLst>
+            <a:softEdge rad="31750"/>
+          </a:effectLst>
+        </p:spPr>
+        <p:style>
+          <a:lnRef idx="2">
+            <a:schemeClr val="accent1">
+              <a:shade val="50000"/>
+            </a:schemeClr>
+          </a:lnRef>
+          <a:fillRef idx="1">
+            <a:schemeClr val="accent1"/>
+          </a:fillRef>
+          <a:effectRef idx="0">
+            <a:schemeClr val="accent1"/>
+          </a:effectRef>
+          <a:fontRef idx="minor">
+            <a:schemeClr val="lt1"/>
+          </a:fontRef>
+        </p:style>
+        <p:txBody>
+          <a:bodyPr rtlCol="0" anchor="ctr"/>
+          <a:lstStyle/>
+          <a:p>
+            <a:pPr algn="ctr"/>
+            <a:endParaRPr lang="ko-KR" altLang="en-US"/>
+          </a:p>
+        </p:txBody>
+      </p:sp>
+      <p:pic>
+        <p:nvPicPr>
+          <p:cNvPr id="12" name="그림 11"/>
+          <p:cNvPicPr>
+            <a:picLocks noChangeAspect="1"/>
+          </p:cNvPicPr>
+          <p:nvPr/>
+        </p:nvPicPr>
+        <p:blipFill>
+          <a:blip r:embed="rId4" cstate="print">
+            <a:extLst>
+              <a:ext uri="{28A0092B-C50C-407E-A947-70E740481C1C}">
+                <a14:useLocalDpi xmlns:a14="http://schemas.microsoft.com/office/drawing/2010/main" val="0"/>
+              </a:ext>
+            </a:extLst>
+          </a:blip>
+          <a:stretch>
+            <a:fillRect/>
+          </a:stretch>
+        </p:blipFill>
+        <p:spPr>
+          <a:xfrm>
+            <a:off x="2475377" y="2060848"/>
+            <a:ext cx="2976300" cy="2116480"/>
+          </a:xfrm>
+          <a:prstGeom prst="rect">
+            <a:avLst/>
+          </a:prstGeom>
+        </p:spPr>
+      </p:pic>
+      <p:pic>
+        <p:nvPicPr>
+          <p:cNvPr id="16" name="그림 15"/>
+          <p:cNvPicPr>
+            <a:picLocks noChangeAspect="1"/>
+          </p:cNvPicPr>
+          <p:nvPr/>
+        </p:nvPicPr>
+        <p:blipFill>
+          <a:blip r:embed="rId5">
+            <a:extLst>
+              <a:ext uri="{28A0092B-C50C-407E-A947-70E740481C1C}">
+                <a14:useLocalDpi xmlns:a14="http://schemas.microsoft.com/office/drawing/2010/main" val="0"/>
+              </a:ext>
+            </a:extLst>
+          </a:blip>
+          <a:stretch>
+            <a:fillRect/>
+          </a:stretch>
+        </p:blipFill>
+        <p:spPr>
+          <a:xfrm>
+            <a:off x="2475377" y="4535293"/>
+            <a:ext cx="4047011" cy="1303513"/>
+          </a:xfrm>
+          <a:prstGeom prst="rect">
+            <a:avLst/>
+          </a:prstGeom>
+        </p:spPr>
+      </p:pic>
+    </p:spTree>
+    <p:extLst>
+      <p:ext uri="{BB962C8B-B14F-4D97-AF65-F5344CB8AC3E}">
+        <p14:creationId xmlns:p14="http://schemas.microsoft.com/office/powerpoint/2010/main" val="3395844702"/>
+      </p:ext>
+    </p:extLst>
+  </p:cSld>
+  <p:clrMapOvr>
+    <a:masterClrMapping/>
+  </p:clrMapOvr>
+</p:sld>
+</file>
+
+<file path=ppt/slides/slide6.xml><?xml version="1.0" encoding="utf-8"?>
+<p:sld xmlns:a="http://schemas.openxmlformats.org/drawingml/2006/main" xmlns:r="http://schemas.openxmlformats.org/officeDocument/2006/relationships" xmlns:p="http://schemas.openxmlformats.org/presentationml/2006/main">
+  <p:cSld>
+    <p:spTree>
+      <p:nvGrpSpPr>
+        <p:cNvPr id="1" name=""/>
+        <p:cNvGrpSpPr/>
+        <p:nvPr/>
+      </p:nvGrpSpPr>
+      <p:grpSpPr>
+        <a:xfrm>
+          <a:off x="0" y="0"/>
+          <a:ext cx="0" cy="0"/>
+          <a:chOff x="0" y="0"/>
+          <a:chExt cx="0" cy="0"/>
+        </a:xfrm>
+      </p:grpSpPr>
+      <p:sp>
+        <p:nvSpPr>
+          <p:cNvPr id="4" name="대각선 방향의 모서리가 둥근 사각형 3"/>
+          <p:cNvSpPr/>
+          <p:nvPr/>
+        </p:nvSpPr>
+        <p:spPr>
+          <a:xfrm>
             <a:off x="526538" y="928694"/>
             <a:ext cx="8072494" cy="5286412"/>
           </a:xfrm>
@@ -5256,7 +5571,7 @@
 </p:sld>
 </file>
 
-<file path=ppt/slides/slide6.xml><?xml version="1.0" encoding="utf-8"?>
+<file path=ppt/slides/slide7.xml><?xml version="1.0" encoding="utf-8"?>
 <p:sld xmlns:a="http://schemas.openxmlformats.org/drawingml/2006/main" xmlns:r="http://schemas.openxmlformats.org/officeDocument/2006/relationships" xmlns:p="http://schemas.openxmlformats.org/presentationml/2006/main">
   <p:cSld>
     <p:spTree>
@@ -6375,7 +6690,7 @@
 </p:sld>
 </file>
 
-<file path=ppt/slides/slide7.xml><?xml version="1.0" encoding="utf-8"?>
+<file path=ppt/slides/slide8.xml><?xml version="1.0" encoding="utf-8"?>
 <p:sld xmlns:a="http://schemas.openxmlformats.org/drawingml/2006/main" xmlns:r="http://schemas.openxmlformats.org/officeDocument/2006/relationships" xmlns:p="http://schemas.openxmlformats.org/presentationml/2006/main">
   <p:cSld>
     <p:spTree>
@@ -6504,7 +6819,7 @@
 </p:sld>
 </file>
 
-<file path=ppt/slides/slide8.xml><?xml version="1.0" encoding="utf-8"?>
+<file path=ppt/slides/slide9.xml><?xml version="1.0" encoding="utf-8"?>
 <p:sld xmlns:a="http://schemas.openxmlformats.org/drawingml/2006/main" xmlns:r="http://schemas.openxmlformats.org/officeDocument/2006/relationships" xmlns:p="http://schemas.openxmlformats.org/presentationml/2006/main">
   <p:cSld>
     <p:spTree>
